--- a/teaching/cs513slides/lecture0-Course-Intro.pptx
+++ b/teaching/cs513slides/lecture0-Course-Intro.pptx
@@ -216,7 +216,7 @@
           <a:p>
             <a:fld id="{6580C23F-98B7-41D4-A9FA-15A275A51486}" type="datetimeFigureOut">
               <a:rPr lang="en-US" smtClean="0"/>
-              <a:t>8/23/2021</a:t>
+              <a:t>8/22/2022</a:t>
             </a:fld>
             <a:endParaRPr lang="en-US"/>
           </a:p>
@@ -691,188 +691,94 @@
           </a:p>
         </p:txBody>
       </p:sp>
-      <p:grpSp>
-        <p:nvGrpSpPr>
-          <p:cNvPr id="7" name="Group 6">
-            <a:extLst>
-              <a:ext uri="{FF2B5EF4-FFF2-40B4-BE49-F238E27FC236}">
-                <a16:creationId xmlns:a16="http://schemas.microsoft.com/office/drawing/2014/main" id="{2E37C1C4-4E55-4F27-A829-6A8623726FAD}"/>
-              </a:ext>
-            </a:extLst>
-          </p:cNvPr>
-          <p:cNvGrpSpPr/>
+      <p:sp>
+        <p:nvSpPr>
+          <p:cNvPr id="9" name="TextBox 8">
+            <a:extLst>
+              <a:ext uri="{FF2B5EF4-FFF2-40B4-BE49-F238E27FC236}">
+                <a16:creationId xmlns:a16="http://schemas.microsoft.com/office/drawing/2014/main" id="{17AD5598-C8B6-4374-8D46-BE17282EAF29}"/>
+              </a:ext>
+            </a:extLst>
+          </p:cNvPr>
+          <p:cNvSpPr txBox="1"/>
           <p:nvPr userDrawn="1"/>
-        </p:nvGrpSpPr>
-        <p:grpSpPr>
+        </p:nvSpPr>
+        <p:spPr>
           <a:xfrm>
             <a:off x="0" y="6150114"/>
-            <a:ext cx="12192000" cy="707886"/>
-            <a:chOff x="50006" y="5719206"/>
-            <a:chExt cx="12192000" cy="707886"/>
-          </a:xfrm>
-        </p:grpSpPr>
-        <p:sp>
-          <p:nvSpPr>
-            <p:cNvPr id="8" name="Rectangle 7">
-              <a:extLst>
-                <a:ext uri="{FF2B5EF4-FFF2-40B4-BE49-F238E27FC236}">
-                  <a16:creationId xmlns:a16="http://schemas.microsoft.com/office/drawing/2014/main" id="{33E3AD49-55BB-449E-9707-2C6D805BA28C}"/>
-                </a:ext>
-              </a:extLst>
-            </p:cNvPr>
-            <p:cNvSpPr/>
-            <p:nvPr userDrawn="1"/>
-          </p:nvSpPr>
-          <p:spPr>
-            <a:xfrm>
-              <a:off x="50006" y="5792092"/>
-              <a:ext cx="12192000" cy="635000"/>
-            </a:xfrm>
-            <a:prstGeom prst="rect">
-              <a:avLst/>
-            </a:prstGeom>
-            <a:solidFill>
-              <a:srgbClr val="990000"/>
-            </a:solidFill>
-            <a:ln w="9525" cap="flat" cmpd="sng" algn="ctr">
-              <a:noFill/>
-              <a:prstDash val="solid"/>
-            </a:ln>
-            <a:effectLst>
-              <a:outerShdw blurRad="40000" dist="23000" dir="5400000" rotWithShape="0">
-                <a:srgbClr val="000000">
-                  <a:alpha val="35000"/>
-                </a:srgbClr>
-              </a:outerShdw>
-            </a:effectLst>
-          </p:spPr>
-          <p:txBody>
-            <a:bodyPr rtlCol="0" anchor="ctr"/>
-            <a:lstStyle/>
-            <a:p>
-              <a:pPr marL="0" marR="0" lvl="0" indent="0" algn="ctr" defTabSz="457200" eaLnBrk="1" fontAlgn="auto" latinLnBrk="0" hangingPunct="1">
-                <a:lnSpc>
-                  <a:spcPct val="100000"/>
-                </a:lnSpc>
-                <a:spcBef>
-                  <a:spcPts val="0"/>
-                </a:spcBef>
-                <a:spcAft>
-                  <a:spcPts val="0"/>
-                </a:spcAft>
-                <a:buClrTx/>
-                <a:buSzTx/>
-                <a:buFontTx/>
-                <a:buNone/>
-                <a:tabLst/>
-                <a:defRPr/>
-              </a:pPr>
-              <a:endParaRPr kumimoji="0" lang="en-US" sz="4000" b="0" i="0" u="none" strike="noStrike" kern="0" cap="none" spc="0" normalizeH="0" baseline="0" noProof="0" dirty="0">
-                <a:ln>
-                  <a:noFill/>
-                </a:ln>
+            <a:ext cx="5712958" cy="707886"/>
+          </a:xfrm>
+          <a:prstGeom prst="rect">
+            <a:avLst/>
+          </a:prstGeom>
+          <a:noFill/>
+        </p:spPr>
+        <p:txBody>
+          <a:bodyPr wrap="square" rtlCol="0">
+            <a:spAutoFit/>
+          </a:bodyPr>
+          <a:lstStyle/>
+          <a:p>
+            <a:pPr defTabSz="457200"/>
+            <a:r>
+              <a:rPr lang="en-US" sz="1800" b="1" dirty="0">
                 <a:solidFill>
-                  <a:srgbClr val="FFC000"/>
+                  <a:srgbClr val="C00000"/>
                 </a:solidFill>
-                <a:effectLst/>
-                <a:uLnTx/>
-                <a:uFillTx/>
                 <a:latin typeface="Times New Roman" panose="02020603050405020304" pitchFamily="18" charset="0"/>
-                <a:ea typeface="+mn-ea"/>
                 <a:cs typeface="Times New Roman" panose="02020603050405020304" pitchFamily="18" charset="0"/>
-              </a:endParaRPr>
-            </a:p>
-          </p:txBody>
-        </p:sp>
-        <p:sp>
-          <p:nvSpPr>
-            <p:cNvPr id="9" name="TextBox 8">
-              <a:extLst>
-                <a:ext uri="{FF2B5EF4-FFF2-40B4-BE49-F238E27FC236}">
-                  <a16:creationId xmlns:a16="http://schemas.microsoft.com/office/drawing/2014/main" id="{17AD5598-C8B6-4374-8D46-BE17282EAF29}"/>
-                </a:ext>
-              </a:extLst>
-            </p:cNvPr>
-            <p:cNvSpPr txBox="1"/>
-            <p:nvPr userDrawn="1"/>
-          </p:nvSpPr>
-          <p:spPr>
-            <a:xfrm>
-              <a:off x="50006" y="5719206"/>
-              <a:ext cx="5712958" cy="707886"/>
-            </a:xfrm>
-            <a:prstGeom prst="rect">
-              <a:avLst/>
-            </a:prstGeom>
-            <a:noFill/>
-          </p:spPr>
-          <p:txBody>
-            <a:bodyPr wrap="square" rtlCol="0">
-              <a:spAutoFit/>
-            </a:bodyPr>
-            <a:lstStyle/>
-            <a:p>
-              <a:pPr defTabSz="457200"/>
-              <a:r>
-                <a:rPr lang="en-US" sz="1800" b="1" dirty="0">
-                  <a:solidFill>
-                    <a:srgbClr val="FFC000"/>
-                  </a:solidFill>
-                  <a:latin typeface="Times New Roman" panose="02020603050405020304" pitchFamily="18" charset="0"/>
-                  <a:cs typeface="Times New Roman" panose="02020603050405020304" pitchFamily="18" charset="0"/>
-                </a:rPr>
-                <a:t>USC </a:t>
-              </a:r>
-              <a:r>
-                <a:rPr lang="en-US" sz="1800" dirty="0">
-                  <a:solidFill>
-                    <a:srgbClr val="FFC000"/>
-                  </a:solidFill>
-                  <a:latin typeface="Times New Roman" panose="02020603050405020304" pitchFamily="18" charset="0"/>
-                  <a:cs typeface="Times New Roman" panose="02020603050405020304" pitchFamily="18" charset="0"/>
-                </a:rPr>
-                <a:t>Viterbi</a:t>
-              </a:r>
-            </a:p>
-            <a:p>
-              <a:pPr defTabSz="457200"/>
-              <a:r>
-                <a:rPr lang="en-US" sz="1050" dirty="0">
-                  <a:solidFill>
-                    <a:srgbClr val="FFC000"/>
-                  </a:solidFill>
-                  <a:latin typeface="Times New Roman" panose="02020603050405020304" pitchFamily="18" charset="0"/>
-                  <a:cs typeface="Times New Roman" panose="02020603050405020304" pitchFamily="18" charset="0"/>
-                </a:rPr>
-                <a:t>		School of Engineering</a:t>
-              </a:r>
-            </a:p>
-            <a:p>
-              <a:pPr defTabSz="457200"/>
-              <a:r>
-                <a:rPr lang="en-US" sz="1050" dirty="0">
-                  <a:solidFill>
-                    <a:srgbClr val="FFC000"/>
-                  </a:solidFill>
-                  <a:latin typeface="Garamond" panose="02020404030301010803" pitchFamily="18" charset="0"/>
-                  <a:cs typeface="Times New Roman" panose="02020603050405020304" pitchFamily="18" charset="0"/>
-                </a:rPr>
-                <a:t>		</a:t>
-              </a:r>
-              <a:r>
-                <a:rPr lang="en-US" sz="1050" i="1" dirty="0">
-                  <a:solidFill>
-                    <a:srgbClr val="FFC000"/>
-                  </a:solidFill>
-                  <a:latin typeface="Garamond" panose="02020404030301010803" pitchFamily="18" charset="0"/>
-                  <a:cs typeface="Times New Roman" panose="02020603050405020304" pitchFamily="18" charset="0"/>
-                </a:rPr>
-                <a:t>Department of Computer Science</a:t>
-              </a:r>
-            </a:p>
-          </p:txBody>
-        </p:sp>
-      </p:grpSp>
+              </a:rPr>
+              <a:t>USC </a:t>
+            </a:r>
+            <a:r>
+              <a:rPr lang="en-US" sz="1800" dirty="0">
+                <a:solidFill>
+                  <a:srgbClr val="C00000"/>
+                </a:solidFill>
+                <a:latin typeface="Times New Roman" panose="02020603050405020304" pitchFamily="18" charset="0"/>
+                <a:cs typeface="Times New Roman" panose="02020603050405020304" pitchFamily="18" charset="0"/>
+              </a:rPr>
+              <a:t>Viterbi</a:t>
+            </a:r>
+          </a:p>
+          <a:p>
+            <a:pPr defTabSz="457200"/>
+            <a:r>
+              <a:rPr lang="en-US" sz="1050" dirty="0">
+                <a:solidFill>
+                  <a:srgbClr val="C00000"/>
+                </a:solidFill>
+                <a:latin typeface="Times New Roman" panose="02020603050405020304" pitchFamily="18" charset="0"/>
+                <a:cs typeface="Times New Roman" panose="02020603050405020304" pitchFamily="18" charset="0"/>
+              </a:rPr>
+              <a:t>		School of Engineering</a:t>
+            </a:r>
+          </a:p>
+          <a:p>
+            <a:pPr defTabSz="457200"/>
+            <a:r>
+              <a:rPr lang="en-US" sz="1050" dirty="0">
+                <a:solidFill>
+                  <a:srgbClr val="C00000"/>
+                </a:solidFill>
+                <a:latin typeface="Garamond" panose="02020404030301010803" pitchFamily="18" charset="0"/>
+                <a:cs typeface="Times New Roman" panose="02020603050405020304" pitchFamily="18" charset="0"/>
+              </a:rPr>
+              <a:t>		</a:t>
+            </a:r>
+            <a:r>
+              <a:rPr lang="en-US" sz="1050" i="1" dirty="0">
+                <a:solidFill>
+                  <a:srgbClr val="C00000"/>
+                </a:solidFill>
+                <a:latin typeface="Garamond" panose="02020404030301010803" pitchFamily="18" charset="0"/>
+                <a:cs typeface="Times New Roman" panose="02020603050405020304" pitchFamily="18" charset="0"/>
+              </a:rPr>
+              <a:t>Department of Computer Science</a:t>
+            </a:r>
+          </a:p>
+        </p:txBody>
+      </p:sp>
     </p:spTree>
     <p:extLst>
       <p:ext uri="{BB962C8B-B14F-4D97-AF65-F5344CB8AC3E}">
@@ -921,8 +827,8 @@
         </p:nvSpPr>
         <p:spPr>
           <a:xfrm>
-            <a:off x="166681" y="1332703"/>
-            <a:ext cx="11699087" cy="4351338"/>
+            <a:off x="114214" y="1013786"/>
+            <a:ext cx="11699087" cy="4746864"/>
           </a:xfrm>
         </p:spPr>
         <p:txBody>
@@ -993,12 +899,143 @@
           </a:p>
         </p:txBody>
       </p:sp>
+      <p:sp>
+        <p:nvSpPr>
+          <p:cNvPr id="11" name="Slide Number Placeholder 5">
+            <a:extLst>
+              <a:ext uri="{FF2B5EF4-FFF2-40B4-BE49-F238E27FC236}">
+                <a16:creationId xmlns:a16="http://schemas.microsoft.com/office/drawing/2014/main" id="{A784A0C8-99FC-499C-9625-1C0F6922371B}"/>
+              </a:ext>
+            </a:extLst>
+          </p:cNvPr>
+          <p:cNvSpPr>
+            <a:spLocks noGrp="1"/>
+          </p:cNvSpPr>
+          <p:nvPr>
+            <p:ph type="sldNum" sz="quarter" idx="12"/>
+          </p:nvPr>
+        </p:nvSpPr>
+        <p:spPr>
+          <a:xfrm>
+            <a:off x="4837679" y="6380997"/>
+            <a:ext cx="2743200" cy="365125"/>
+          </a:xfrm>
+        </p:spPr>
+        <p:txBody>
+          <a:bodyPr/>
+          <a:lstStyle>
+            <a:lvl1pPr algn="ctr">
+              <a:defRPr sz="1600">
+                <a:solidFill>
+                  <a:schemeClr val="bg1"/>
+                </a:solidFill>
+              </a:defRPr>
+            </a:lvl1pPr>
+          </a:lstStyle>
+          <a:p>
+            <a:fld id="{29AAD378-655A-49C6-813C-9FD132EF7440}" type="slidenum">
+              <a:rPr lang="en-US" smtClean="0"/>
+              <a:pPr/>
+              <a:t>‹#›</a:t>
+            </a:fld>
+            <a:endParaRPr lang="en-US"/>
+          </a:p>
+        </p:txBody>
+      </p:sp>
+      <p:sp>
+        <p:nvSpPr>
+          <p:cNvPr id="5" name="TextBox 4">
+            <a:extLst>
+              <a:ext uri="{FF2B5EF4-FFF2-40B4-BE49-F238E27FC236}">
+                <a16:creationId xmlns:a16="http://schemas.microsoft.com/office/drawing/2014/main" id="{1074791F-7607-4481-B3AE-0E7038732FDB}"/>
+              </a:ext>
+            </a:extLst>
+          </p:cNvPr>
+          <p:cNvSpPr txBox="1"/>
+          <p:nvPr userDrawn="1"/>
+        </p:nvSpPr>
+        <p:spPr>
+          <a:xfrm>
+            <a:off x="0" y="6150114"/>
+            <a:ext cx="5712958" cy="707886"/>
+          </a:xfrm>
+          <a:prstGeom prst="rect">
+            <a:avLst/>
+          </a:prstGeom>
+          <a:noFill/>
+        </p:spPr>
+        <p:txBody>
+          <a:bodyPr wrap="square" rtlCol="0">
+            <a:spAutoFit/>
+          </a:bodyPr>
+          <a:lstStyle/>
+          <a:p>
+            <a:pPr defTabSz="457200"/>
+            <a:r>
+              <a:rPr lang="en-US" sz="1800" b="1" dirty="0">
+                <a:solidFill>
+                  <a:srgbClr val="C00000"/>
+                </a:solidFill>
+                <a:latin typeface="Times New Roman" panose="02020603050405020304" pitchFamily="18" charset="0"/>
+                <a:cs typeface="Times New Roman" panose="02020603050405020304" pitchFamily="18" charset="0"/>
+              </a:rPr>
+              <a:t>USC </a:t>
+            </a:r>
+            <a:r>
+              <a:rPr lang="en-US" sz="1800" dirty="0">
+                <a:solidFill>
+                  <a:srgbClr val="C00000"/>
+                </a:solidFill>
+                <a:latin typeface="Times New Roman" panose="02020603050405020304" pitchFamily="18" charset="0"/>
+                <a:cs typeface="Times New Roman" panose="02020603050405020304" pitchFamily="18" charset="0"/>
+              </a:rPr>
+              <a:t>Viterbi</a:t>
+            </a:r>
+          </a:p>
+          <a:p>
+            <a:pPr defTabSz="457200"/>
+            <a:r>
+              <a:rPr lang="en-US" sz="1050" dirty="0">
+                <a:solidFill>
+                  <a:srgbClr val="C00000"/>
+                </a:solidFill>
+                <a:latin typeface="Times New Roman" panose="02020603050405020304" pitchFamily="18" charset="0"/>
+                <a:cs typeface="Times New Roman" panose="02020603050405020304" pitchFamily="18" charset="0"/>
+              </a:rPr>
+              <a:t>		School of Engineering</a:t>
+            </a:r>
+          </a:p>
+          <a:p>
+            <a:pPr defTabSz="457200"/>
+            <a:r>
+              <a:rPr lang="en-US" sz="1050" dirty="0">
+                <a:solidFill>
+                  <a:srgbClr val="C00000"/>
+                </a:solidFill>
+                <a:latin typeface="Garamond" panose="02020404030301010803" pitchFamily="18" charset="0"/>
+                <a:cs typeface="Times New Roman" panose="02020603050405020304" pitchFamily="18" charset="0"/>
+              </a:rPr>
+              <a:t>		</a:t>
+            </a:r>
+            <a:r>
+              <a:rPr lang="en-US" sz="1050" i="1" dirty="0">
+                <a:solidFill>
+                  <a:srgbClr val="C00000"/>
+                </a:solidFill>
+                <a:latin typeface="Garamond" panose="02020404030301010803" pitchFamily="18" charset="0"/>
+                <a:cs typeface="Times New Roman" panose="02020603050405020304" pitchFamily="18" charset="0"/>
+              </a:rPr>
+              <a:t>Department of Computer Science</a:t>
+            </a:r>
+          </a:p>
+        </p:txBody>
+      </p:sp>
       <p:pic>
         <p:nvPicPr>
-          <p:cNvPr id="12" name="Picture 11" descr="Small Use Shield_GoldOnTrans.eps">
-            <a:extLst>
-              <a:ext uri="{FF2B5EF4-FFF2-40B4-BE49-F238E27FC236}">
-                <a16:creationId xmlns:a16="http://schemas.microsoft.com/office/drawing/2014/main" id="{92F43934-0A3D-49F8-91A5-85B8E80B2CF8}"/>
+          <p:cNvPr id="8" name="Picture 7" descr="Small Use Shield_GoldOnTrans.eps">
+            <a:extLst>
+              <a:ext uri="{FF2B5EF4-FFF2-40B4-BE49-F238E27FC236}">
+                <a16:creationId xmlns:a16="http://schemas.microsoft.com/office/drawing/2014/main" id="{13EDD881-9B40-2148-118C-4FCB35DE70DB}"/>
               </a:ext>
             </a:extLst>
           </p:cNvPr>
@@ -1027,7 +1064,7 @@
         </mc:AlternateContent>
         <p:spPr>
           <a:xfrm>
-            <a:off x="11194348" y="464476"/>
+            <a:off x="11194348" y="58647"/>
             <a:ext cx="997652" cy="748239"/>
           </a:xfrm>
           <a:prstGeom prst="rect">
@@ -1037,171 +1074,28 @@
       </p:pic>
       <p:sp>
         <p:nvSpPr>
-          <p:cNvPr id="13" name="Rectangle 12">
-            <a:extLst>
-              <a:ext uri="{FF2B5EF4-FFF2-40B4-BE49-F238E27FC236}">
-                <a16:creationId xmlns:a16="http://schemas.microsoft.com/office/drawing/2014/main" id="{26381F13-A4A4-444E-9C5F-0C7501D9BF81}"/>
-              </a:ext>
-            </a:extLst>
-          </p:cNvPr>
-          <p:cNvSpPr/>
-          <p:nvPr userDrawn="1"/>
-        </p:nvSpPr>
-        <p:spPr>
-          <a:xfrm>
-            <a:off x="0" y="2713"/>
-            <a:ext cx="12192000" cy="302605"/>
+          <p:cNvPr id="10" name="Title 16">
+            <a:extLst>
+              <a:ext uri="{FF2B5EF4-FFF2-40B4-BE49-F238E27FC236}">
+                <a16:creationId xmlns:a16="http://schemas.microsoft.com/office/drawing/2014/main" id="{E18F0B7B-8DE6-B43A-A962-2BB3770907CA}"/>
+              </a:ext>
+            </a:extLst>
+          </p:cNvPr>
+          <p:cNvSpPr>
+            <a:spLocks noGrp="1"/>
+          </p:cNvSpPr>
+          <p:nvPr>
+            <p:ph type="title"/>
+          </p:nvPr>
+        </p:nvSpPr>
+        <p:spPr>
+          <a:xfrm>
+            <a:off x="114214" y="87802"/>
+            <a:ext cx="10920419" cy="778828"/>
           </a:xfrm>
           <a:prstGeom prst="rect">
             <a:avLst/>
           </a:prstGeom>
-          <a:solidFill>
-            <a:srgbClr val="990000"/>
-          </a:solidFill>
-          <a:ln w="9525" cap="flat" cmpd="sng" algn="ctr">
-            <a:noFill/>
-            <a:prstDash val="solid"/>
-          </a:ln>
-          <a:effectLst>
-            <a:outerShdw blurRad="40000" dist="23000" dir="5400000" rotWithShape="0">
-              <a:srgbClr val="000000">
-                <a:alpha val="35000"/>
-              </a:srgbClr>
-            </a:outerShdw>
-          </a:effectLst>
-        </p:spPr>
-        <p:txBody>
-          <a:bodyPr rtlCol="0" anchor="ctr"/>
-          <a:lstStyle/>
-          <a:p>
-            <a:pPr marL="0" marR="0" lvl="0" indent="0" algn="ctr" defTabSz="457200" eaLnBrk="1" fontAlgn="auto" latinLnBrk="0" hangingPunct="1">
-              <a:lnSpc>
-                <a:spcPct val="100000"/>
-              </a:lnSpc>
-              <a:spcBef>
-                <a:spcPts val="0"/>
-              </a:spcBef>
-              <a:spcAft>
-                <a:spcPts val="0"/>
-              </a:spcAft>
-              <a:buClrTx/>
-              <a:buSzTx/>
-              <a:buFontTx/>
-              <a:buNone/>
-              <a:tabLst/>
-              <a:defRPr/>
-            </a:pPr>
-            <a:endParaRPr kumimoji="0" lang="en-US" sz="4000" b="0" i="0" u="none" strike="noStrike" kern="0" cap="none" spc="0" normalizeH="0" baseline="0" noProof="0" dirty="0">
-              <a:ln>
-                <a:noFill/>
-              </a:ln>
-              <a:solidFill>
-                <a:prstClr val="white"/>
-              </a:solidFill>
-              <a:effectLst/>
-              <a:uLnTx/>
-              <a:uFillTx/>
-              <a:latin typeface="Times New Roman" panose="02020603050405020304" pitchFamily="18" charset="0"/>
-              <a:ea typeface="+mn-ea"/>
-              <a:cs typeface="Times New Roman" panose="02020603050405020304" pitchFamily="18" charset="0"/>
-            </a:endParaRPr>
-          </a:p>
-        </p:txBody>
-      </p:sp>
-      <p:sp>
-        <p:nvSpPr>
-          <p:cNvPr id="14" name="Rectangle 13">
-            <a:extLst>
-              <a:ext uri="{FF2B5EF4-FFF2-40B4-BE49-F238E27FC236}">
-                <a16:creationId xmlns:a16="http://schemas.microsoft.com/office/drawing/2014/main" id="{3477AB79-4F9F-47F3-934B-DC6AA693504D}"/>
-              </a:ext>
-            </a:extLst>
-          </p:cNvPr>
-          <p:cNvSpPr/>
-          <p:nvPr userDrawn="1"/>
-        </p:nvSpPr>
-        <p:spPr>
-          <a:xfrm flipV="1">
-            <a:off x="9522" y="294440"/>
-            <a:ext cx="12192000" cy="50800"/>
-          </a:xfrm>
-          <a:prstGeom prst="rect">
-            <a:avLst/>
-          </a:prstGeom>
-          <a:solidFill>
-            <a:srgbClr val="FFCC00"/>
-          </a:solidFill>
-          <a:ln w="9525" cap="flat" cmpd="sng" algn="ctr">
-            <a:noFill/>
-            <a:prstDash val="solid"/>
-          </a:ln>
-          <a:effectLst>
-            <a:outerShdw blurRad="40000" dist="20000" dir="5400000" rotWithShape="0">
-              <a:srgbClr val="000000">
-                <a:alpha val="38000"/>
-              </a:srgbClr>
-            </a:outerShdw>
-          </a:effectLst>
-        </p:spPr>
-        <p:txBody>
-          <a:bodyPr rtlCol="0" anchor="ctr"/>
-          <a:lstStyle/>
-          <a:p>
-            <a:pPr marL="0" marR="0" lvl="0" indent="0" algn="ctr" defTabSz="457200" eaLnBrk="1" fontAlgn="auto" latinLnBrk="0" hangingPunct="1">
-              <a:lnSpc>
-                <a:spcPct val="100000"/>
-              </a:lnSpc>
-              <a:spcBef>
-                <a:spcPts val="0"/>
-              </a:spcBef>
-              <a:spcAft>
-                <a:spcPts val="0"/>
-              </a:spcAft>
-              <a:buClrTx/>
-              <a:buSzTx/>
-              <a:buFontTx/>
-              <a:buNone/>
-              <a:tabLst/>
-              <a:defRPr/>
-            </a:pPr>
-            <a:endParaRPr kumimoji="0" lang="en-US" sz="1800" b="0" i="0" u="none" strike="noStrike" kern="0" cap="none" spc="0" normalizeH="0" baseline="0" noProof="0">
-              <a:ln>
-                <a:noFill/>
-              </a:ln>
-              <a:solidFill>
-                <a:srgbClr val="990000"/>
-              </a:solidFill>
-              <a:effectLst/>
-              <a:uLnTx/>
-              <a:uFillTx/>
-              <a:latin typeface="Calibri" panose="020F0502020204030204"/>
-              <a:ea typeface="+mn-ea"/>
-              <a:cs typeface="+mn-cs"/>
-            </a:endParaRPr>
-          </a:p>
-        </p:txBody>
-      </p:sp>
-      <p:sp>
-        <p:nvSpPr>
-          <p:cNvPr id="17" name="Title 16">
-            <a:extLst>
-              <a:ext uri="{FF2B5EF4-FFF2-40B4-BE49-F238E27FC236}">
-                <a16:creationId xmlns:a16="http://schemas.microsoft.com/office/drawing/2014/main" id="{0225637C-4B87-49CB-8E13-7BBB7557E81D}"/>
-              </a:ext>
-            </a:extLst>
-          </p:cNvPr>
-          <p:cNvSpPr>
-            <a:spLocks noGrp="1"/>
-          </p:cNvSpPr>
-          <p:nvPr>
-            <p:ph type="title"/>
-          </p:nvPr>
-        </p:nvSpPr>
-        <p:spPr>
-          <a:xfrm>
-            <a:off x="166680" y="430374"/>
-            <a:ext cx="10920419" cy="778828"/>
-          </a:xfrm>
         </p:spPr>
         <p:txBody>
           <a:bodyPr/>
@@ -1218,210 +1112,6 @@
             <a:r>
               <a:rPr lang="en-US"/>
               <a:t>Click to edit Master title style</a:t>
-            </a:r>
-          </a:p>
-        </p:txBody>
-      </p:sp>
-      <p:sp>
-        <p:nvSpPr>
-          <p:cNvPr id="11" name="Slide Number Placeholder 5">
-            <a:extLst>
-              <a:ext uri="{FF2B5EF4-FFF2-40B4-BE49-F238E27FC236}">
-                <a16:creationId xmlns:a16="http://schemas.microsoft.com/office/drawing/2014/main" id="{A784A0C8-99FC-499C-9625-1C0F6922371B}"/>
-              </a:ext>
-            </a:extLst>
-          </p:cNvPr>
-          <p:cNvSpPr>
-            <a:spLocks noGrp="1"/>
-          </p:cNvSpPr>
-          <p:nvPr>
-            <p:ph type="sldNum" sz="quarter" idx="12"/>
-          </p:nvPr>
-        </p:nvSpPr>
-        <p:spPr>
-          <a:xfrm>
-            <a:off x="4837679" y="6380997"/>
-            <a:ext cx="2743200" cy="365125"/>
-          </a:xfrm>
-        </p:spPr>
-        <p:txBody>
-          <a:bodyPr/>
-          <a:lstStyle>
-            <a:lvl1pPr algn="ctr">
-              <a:defRPr sz="1600">
-                <a:solidFill>
-                  <a:schemeClr val="bg1"/>
-                </a:solidFill>
-              </a:defRPr>
-            </a:lvl1pPr>
-          </a:lstStyle>
-          <a:p>
-            <a:fld id="{29AAD378-655A-49C6-813C-9FD132EF7440}" type="slidenum">
-              <a:rPr lang="en-US" smtClean="0"/>
-              <a:pPr/>
-              <a:t>‹#›</a:t>
-            </a:fld>
-            <a:endParaRPr lang="en-US"/>
-          </a:p>
-        </p:txBody>
-      </p:sp>
-      <p:sp>
-        <p:nvSpPr>
-          <p:cNvPr id="4" name="Rectangle 3">
-            <a:extLst>
-              <a:ext uri="{FF2B5EF4-FFF2-40B4-BE49-F238E27FC236}">
-                <a16:creationId xmlns:a16="http://schemas.microsoft.com/office/drawing/2014/main" id="{EBD71DAF-0C4E-45DE-A6F2-DF7F66B0269C}"/>
-              </a:ext>
-            </a:extLst>
-          </p:cNvPr>
-          <p:cNvSpPr/>
-          <p:nvPr userDrawn="1"/>
-        </p:nvSpPr>
-        <p:spPr>
-          <a:xfrm>
-            <a:off x="0" y="6223000"/>
-            <a:ext cx="12192000" cy="635000"/>
-          </a:xfrm>
-          <a:prstGeom prst="rect">
-            <a:avLst/>
-          </a:prstGeom>
-          <a:solidFill>
-            <a:srgbClr val="990000"/>
-          </a:solidFill>
-          <a:ln w="9525" cap="flat" cmpd="sng" algn="ctr">
-            <a:noFill/>
-            <a:prstDash val="solid"/>
-          </a:ln>
-          <a:effectLst>
-            <a:outerShdw blurRad="40000" dist="23000" dir="5400000" rotWithShape="0">
-              <a:srgbClr val="000000">
-                <a:alpha val="35000"/>
-              </a:srgbClr>
-            </a:outerShdw>
-          </a:effectLst>
-        </p:spPr>
-        <p:txBody>
-          <a:bodyPr rtlCol="0" anchor="ctr"/>
-          <a:lstStyle/>
-          <a:p>
-            <a:pPr marL="0" marR="0" lvl="0" indent="0" algn="ctr" defTabSz="457200" eaLnBrk="1" fontAlgn="auto" latinLnBrk="0" hangingPunct="1">
-              <a:lnSpc>
-                <a:spcPct val="100000"/>
-              </a:lnSpc>
-              <a:spcBef>
-                <a:spcPts val="0"/>
-              </a:spcBef>
-              <a:spcAft>
-                <a:spcPts val="0"/>
-              </a:spcAft>
-              <a:buClrTx/>
-              <a:buSzTx/>
-              <a:buFontTx/>
-              <a:buNone/>
-              <a:tabLst/>
-              <a:defRPr/>
-            </a:pPr>
-            <a:endParaRPr kumimoji="0" lang="en-US" sz="4000" b="0" i="0" u="none" strike="noStrike" kern="0" cap="none" spc="0" normalizeH="0" baseline="0" noProof="0" dirty="0">
-              <a:ln>
-                <a:noFill/>
-              </a:ln>
-              <a:solidFill>
-                <a:srgbClr val="FFC000"/>
-              </a:solidFill>
-              <a:effectLst/>
-              <a:uLnTx/>
-              <a:uFillTx/>
-              <a:latin typeface="Times New Roman" panose="02020603050405020304" pitchFamily="18" charset="0"/>
-              <a:ea typeface="+mn-ea"/>
-              <a:cs typeface="Times New Roman" panose="02020603050405020304" pitchFamily="18" charset="0"/>
-            </a:endParaRPr>
-          </a:p>
-        </p:txBody>
-      </p:sp>
-      <p:sp>
-        <p:nvSpPr>
-          <p:cNvPr id="5" name="TextBox 4">
-            <a:extLst>
-              <a:ext uri="{FF2B5EF4-FFF2-40B4-BE49-F238E27FC236}">
-                <a16:creationId xmlns:a16="http://schemas.microsoft.com/office/drawing/2014/main" id="{1074791F-7607-4481-B3AE-0E7038732FDB}"/>
-              </a:ext>
-            </a:extLst>
-          </p:cNvPr>
-          <p:cNvSpPr txBox="1"/>
-          <p:nvPr userDrawn="1"/>
-        </p:nvSpPr>
-        <p:spPr>
-          <a:xfrm>
-            <a:off x="0" y="6150114"/>
-            <a:ext cx="5712958" cy="707886"/>
-          </a:xfrm>
-          <a:prstGeom prst="rect">
-            <a:avLst/>
-          </a:prstGeom>
-          <a:noFill/>
-        </p:spPr>
-        <p:txBody>
-          <a:bodyPr wrap="square" rtlCol="0">
-            <a:spAutoFit/>
-          </a:bodyPr>
-          <a:lstStyle/>
-          <a:p>
-            <a:pPr defTabSz="457200"/>
-            <a:r>
-              <a:rPr lang="en-US" sz="1800" b="1" dirty="0">
-                <a:solidFill>
-                  <a:srgbClr val="FFC000"/>
-                </a:solidFill>
-                <a:latin typeface="Times New Roman" panose="02020603050405020304" pitchFamily="18" charset="0"/>
-                <a:cs typeface="Times New Roman" panose="02020603050405020304" pitchFamily="18" charset="0"/>
-              </a:rPr>
-              <a:t>USC </a:t>
-            </a:r>
-            <a:r>
-              <a:rPr lang="en-US" sz="1800" dirty="0">
-                <a:solidFill>
-                  <a:srgbClr val="FFC000"/>
-                </a:solidFill>
-                <a:latin typeface="Times New Roman" panose="02020603050405020304" pitchFamily="18" charset="0"/>
-                <a:cs typeface="Times New Roman" panose="02020603050405020304" pitchFamily="18" charset="0"/>
-              </a:rPr>
-              <a:t>Viterbi</a:t>
-            </a:r>
-          </a:p>
-          <a:p>
-            <a:pPr defTabSz="457200"/>
-            <a:r>
-              <a:rPr lang="en-US" sz="1050" dirty="0">
-                <a:solidFill>
-                  <a:srgbClr val="FFC000"/>
-                </a:solidFill>
-                <a:latin typeface="Times New Roman" panose="02020603050405020304" pitchFamily="18" charset="0"/>
-                <a:cs typeface="Times New Roman" panose="02020603050405020304" pitchFamily="18" charset="0"/>
-              </a:rPr>
-              <a:t>		School of Engineering</a:t>
-            </a:r>
-          </a:p>
-          <a:p>
-            <a:pPr defTabSz="457200"/>
-            <a:r>
-              <a:rPr lang="en-US" sz="1050" dirty="0">
-                <a:solidFill>
-                  <a:srgbClr val="FFC000"/>
-                </a:solidFill>
-                <a:latin typeface="Garamond" panose="02020404030301010803" pitchFamily="18" charset="0"/>
-                <a:cs typeface="Times New Roman" panose="02020603050405020304" pitchFamily="18" charset="0"/>
-              </a:rPr>
-              <a:t>		</a:t>
-            </a:r>
-            <a:r>
-              <a:rPr lang="en-US" sz="1050" i="1" dirty="0">
-                <a:solidFill>
-                  <a:srgbClr val="FFC000"/>
-                </a:solidFill>
-                <a:latin typeface="Garamond" panose="02020404030301010803" pitchFamily="18" charset="0"/>
-                <a:cs typeface="Times New Roman" panose="02020603050405020304" pitchFamily="18" charset="0"/>
-              </a:rPr>
-              <a:t>Department of Computer Science</a:t>
             </a:r>
           </a:p>
         </p:txBody>
@@ -2071,19 +1761,19 @@
         </p:nvSpPr>
         <p:spPr>
           <a:xfrm>
-            <a:off x="1228725" y="3602038"/>
-            <a:ext cx="10222706" cy="1655762"/>
+            <a:off x="629055" y="3602038"/>
+            <a:ext cx="10822376" cy="2552328"/>
           </a:xfrm>
         </p:spPr>
         <p:txBody>
           <a:bodyPr>
-            <a:normAutofit fontScale="77500" lnSpcReduction="20000"/>
+            <a:normAutofit/>
           </a:bodyPr>
           <a:lstStyle/>
           <a:p>
             <a:r>
               <a:rPr lang="en-US" dirty="0"/>
-              <a:t>Fall 2021: CS 513</a:t>
+              <a:t>Fall 2022: CS 513</a:t>
             </a:r>
           </a:p>
           <a:p>
@@ -2095,16 +1785,35 @@
           <a:p>
             <a:r>
               <a:rPr lang="en-US" dirty="0"/>
-              <a:t>TA: Anand Balakrishnan</a:t>
-            </a:r>
-          </a:p>
-          <a:p>
-            <a:endParaRPr lang="en-US" dirty="0"/>
-          </a:p>
-          <a:p>
-            <a:r>
-              <a:rPr lang="en-US" dirty="0"/>
-              <a:t>Course materials: http://jdeshmukh.github.io/teaching/cs513-autocps-fall-2021/</a:t>
+              <a:t>TAs: </a:t>
+            </a:r>
+            <a:r>
+              <a:rPr lang="en-US" b="1" dirty="0"/>
+              <a:t>Aniruddh Puranic</a:t>
+            </a:r>
+            <a:r>
+              <a:rPr lang="en-US" dirty="0"/>
+              <a:t> and </a:t>
+            </a:r>
+            <a:r>
+              <a:rPr lang="en-US" b="1" dirty="0"/>
+              <a:t>Xin Qin</a:t>
+            </a:r>
+          </a:p>
+          <a:p>
+            <a:r>
+              <a:rPr lang="en-US" dirty="0"/>
+              <a:t>Course Producer: TBD</a:t>
+            </a:r>
+          </a:p>
+          <a:p>
+            <a:r>
+              <a:rPr lang="en-US" dirty="0"/>
+              <a:t>Course materials: </a:t>
+            </a:r>
+            <a:r>
+              <a:rPr lang="en-US" b="1" dirty="0"/>
+              <a:t>http://jdeshmukh.github.io/teaching/cs513-autocps-fall-2022/</a:t>
             </a:r>
           </a:p>
         </p:txBody>
@@ -2256,7 +1965,12 @@
             <p:ph type="title"/>
           </p:nvPr>
         </p:nvSpPr>
-        <p:spPr/>
+        <p:spPr>
+          <a:xfrm>
+            <a:off x="166681" y="85463"/>
+            <a:ext cx="10920419" cy="778828"/>
+          </a:xfrm>
+        </p:spPr>
         <p:txBody>
           <a:bodyPr/>
           <a:lstStyle/>
@@ -2377,18 +2091,18 @@
             <a:pPr lvl="1"/>
             <a:r>
               <a:rPr lang="en-US" dirty="0"/>
-              <a:t>Learn how to code a self-driving car subsystem</a:t>
+              <a:t>Learn how to code the controller for a self-driving car subsystem</a:t>
             </a:r>
           </a:p>
           <a:p>
             <a:pPr lvl="1"/>
             <a:r>
               <a:rPr lang="en-US" dirty="0"/>
-              <a:t>Learn how to code for a mini-drone</a:t>
-            </a:r>
-          </a:p>
-          <a:p>
-            <a:pPr marL="0" indent="0">
+              <a:t>Learn how to use a vision-based perception module as a sensor</a:t>
+            </a:r>
+          </a:p>
+          <a:p>
+            <a:pPr marL="411480" lvl="1" indent="0">
               <a:buNone/>
             </a:pPr>
             <a:endParaRPr lang="en-US" dirty="0"/>
@@ -2417,7 +2131,12 @@
             <p:ph type="title"/>
           </p:nvPr>
         </p:nvSpPr>
-        <p:spPr/>
+        <p:spPr>
+          <a:xfrm>
+            <a:off x="166681" y="85463"/>
+            <a:ext cx="10920419" cy="778828"/>
+          </a:xfrm>
+        </p:spPr>
         <p:txBody>
           <a:bodyPr/>
           <a:lstStyle/>
@@ -2508,7 +2227,7 @@
         <p:spPr/>
         <p:txBody>
           <a:bodyPr>
-            <a:normAutofit fontScale="92500" lnSpcReduction="20000"/>
+            <a:normAutofit fontScale="92500" lnSpcReduction="10000"/>
           </a:bodyPr>
           <a:lstStyle/>
           <a:p>
@@ -2579,7 +2298,7 @@
             <a:pPr lvl="1"/>
             <a:r>
               <a:rPr lang="en-US" dirty="0"/>
-              <a:t>Research exploration</a:t>
+              <a:t>Research project</a:t>
             </a:r>
           </a:p>
           <a:p>
@@ -2599,7 +2318,7 @@
             <a:pPr lvl="1"/>
             <a:r>
               <a:rPr lang="en-US" dirty="0"/>
-              <a:t>I have a few that I can give you to play with – first-come-first-serve, ask me about these!</a:t>
+              <a:t>I have a few that I can give you to play with – first-come-first-serve, email us about these!</a:t>
             </a:r>
           </a:p>
           <a:p>
@@ -2630,7 +2349,12 @@
             <p:ph type="title"/>
           </p:nvPr>
         </p:nvSpPr>
-        <p:spPr/>
+        <p:spPr>
+          <a:xfrm>
+            <a:off x="166681" y="85463"/>
+            <a:ext cx="10920419" cy="778828"/>
+          </a:xfrm>
+        </p:spPr>
         <p:txBody>
           <a:bodyPr/>
           <a:lstStyle/>
@@ -2846,7 +2570,12 @@
             <p:ph type="title"/>
           </p:nvPr>
         </p:nvSpPr>
-        <p:spPr/>
+        <p:spPr>
+          <a:xfrm>
+            <a:off x="166681" y="85463"/>
+            <a:ext cx="10920419" cy="778828"/>
+          </a:xfrm>
+        </p:spPr>
         <p:txBody>
           <a:bodyPr/>
           <a:lstStyle/>
@@ -3036,7 +2765,12 @@
             <p:ph type="title"/>
           </p:nvPr>
         </p:nvSpPr>
-        <p:spPr/>
+        <p:spPr>
+          <a:xfrm>
+            <a:off x="166681" y="85463"/>
+            <a:ext cx="10920419" cy="778828"/>
+          </a:xfrm>
+        </p:spPr>
         <p:txBody>
           <a:bodyPr/>
           <a:lstStyle/>
@@ -3132,33 +2866,54 @@
         </p:spPr>
         <p:txBody>
           <a:bodyPr>
-            <a:normAutofit lnSpcReduction="10000"/>
+            <a:normAutofit fontScale="70000" lnSpcReduction="20000"/>
           </a:bodyPr>
           <a:lstStyle/>
           <a:p>
             <a:r>
               <a:rPr lang="en-US" dirty="0"/>
-              <a:t>Assignments: 55% (2x10 + 20 +15)</a:t>
-            </a:r>
-          </a:p>
-          <a:p>
-            <a:r>
-              <a:rPr lang="en-US" dirty="0"/>
-              <a:t>Project: 40% </a:t>
+              <a:t>Assignments: 60%  </a:t>
             </a:r>
           </a:p>
           <a:p>
             <a:pPr lvl="1"/>
             <a:r>
               <a:rPr lang="en-US" dirty="0"/>
-              <a:t>Proposal 5 (talk) + 10 (doc)</a:t>
+              <a:t>Homework Assignments: 10 + 10 %</a:t>
             </a:r>
           </a:p>
           <a:p>
             <a:pPr lvl="1"/>
             <a:r>
               <a:rPr lang="en-US" dirty="0"/>
-              <a:t>Final Report: 5 (talk) + 20 (doc/demo)</a:t>
+              <a:t>MP1 : 20%</a:t>
+            </a:r>
+          </a:p>
+          <a:p>
+            <a:pPr lvl="1"/>
+            <a:r>
+              <a:rPr lang="en-US" dirty="0"/>
+              <a:t>MP2 : 20%</a:t>
+            </a:r>
+          </a:p>
+          <a:p>
+            <a:r>
+              <a:rPr lang="en-US" dirty="0"/>
+              <a:t>Project: 35% </a:t>
+            </a:r>
+          </a:p>
+          <a:p>
+            <a:pPr lvl="1"/>
+            <a:r>
+              <a:rPr lang="en-US" dirty="0"/>
+              <a:t>Proposal: 5%</a:t>
+            </a:r>
+          </a:p>
+          <a:p>
+            <a:pPr lvl="1"/>
+            <a:r>
+              <a:rPr lang="en-US" dirty="0"/>
+              <a:t>Final Report: 10% (talk) , 20% (final report or demo)</a:t>
             </a:r>
           </a:p>
           <a:p>
@@ -3178,7 +2933,7 @@
             <a:pPr lvl="1"/>
             <a:r>
               <a:rPr lang="en-US" dirty="0"/>
-              <a:t>Q&amp;A in class or during Zoom sessions</a:t>
+              <a:t>Q&amp;A in class or over Zoom if applicable</a:t>
             </a:r>
           </a:p>
         </p:txBody>
@@ -3199,7 +2954,12 @@
             <p:ph type="title"/>
           </p:nvPr>
         </p:nvSpPr>
-        <p:spPr/>
+        <p:spPr>
+          <a:xfrm>
+            <a:off x="166681" y="85463"/>
+            <a:ext cx="10920419" cy="778828"/>
+          </a:xfrm>
+        </p:spPr>
         <p:txBody>
           <a:bodyPr/>
           <a:lstStyle/>
@@ -3359,7 +3119,12 @@
             <p:ph type="title"/>
           </p:nvPr>
         </p:nvSpPr>
-        <p:spPr/>
+        <p:spPr>
+          <a:xfrm>
+            <a:off x="166681" y="85463"/>
+            <a:ext cx="10920419" cy="778828"/>
+          </a:xfrm>
+        </p:spPr>
         <p:txBody>
           <a:bodyPr/>
           <a:lstStyle/>
@@ -3447,7 +3212,12 @@
             <p:ph type="title"/>
           </p:nvPr>
         </p:nvSpPr>
-        <p:spPr/>
+        <p:spPr>
+          <a:xfrm>
+            <a:off x="166681" y="85463"/>
+            <a:ext cx="10920419" cy="778828"/>
+          </a:xfrm>
+        </p:spPr>
         <p:txBody>
           <a:bodyPr/>
           <a:lstStyle/>
@@ -3734,7 +3504,7 @@
           <a:p>
             <a:r>
               <a:rPr lang="en-US" dirty="0"/>
-              <a:t>TA: Anand Balakrishnan</a:t>
+              <a:t>TAs: Aniruddh Puranic + Xin Qin</a:t>
             </a:r>
           </a:p>
           <a:p>
@@ -3744,6 +3514,12 @@
               <a:t>Office Hours: TBD</a:t>
             </a:r>
           </a:p>
+          <a:p>
+            <a:r>
+              <a:rPr lang="en-US" dirty="0"/>
+              <a:t>CP: TBD</a:t>
+            </a:r>
+          </a:p>
         </p:txBody>
       </p:sp>
       <p:sp>
@@ -3762,7 +3538,12 @@
             <p:ph type="title"/>
           </p:nvPr>
         </p:nvSpPr>
-        <p:spPr/>
+        <p:spPr>
+          <a:xfrm>
+            <a:off x="166681" y="85463"/>
+            <a:ext cx="10920419" cy="778828"/>
+          </a:xfrm>
+        </p:spPr>
         <p:txBody>
           <a:bodyPr/>
           <a:lstStyle/>
@@ -3850,14 +3631,19 @@
             <p:ph type="title"/>
           </p:nvPr>
         </p:nvSpPr>
-        <p:spPr/>
+        <p:spPr>
+          <a:xfrm>
+            <a:off x="166681" y="85463"/>
+            <a:ext cx="10920419" cy="778828"/>
+          </a:xfrm>
+        </p:spPr>
         <p:txBody>
           <a:bodyPr/>
           <a:lstStyle/>
           <a:p>
             <a:r>
               <a:rPr lang="en-US" dirty="0"/>
-              <a:t>Introductions …</a:t>
+              <a:t>Introductions</a:t>
             </a:r>
           </a:p>
         </p:txBody>
@@ -3886,7 +3672,7 @@
         </p:spPr>
         <p:txBody>
           <a:bodyPr>
-            <a:normAutofit lnSpcReduction="10000"/>
+            <a:normAutofit/>
           </a:bodyPr>
           <a:lstStyle/>
           <a:p>
@@ -3898,19 +3684,7 @@
           <a:p>
             <a:r>
               <a:rPr lang="en-US" dirty="0"/>
-              <a:t>What’s your background?</a:t>
-            </a:r>
-          </a:p>
-          <a:p>
-            <a:r>
-              <a:rPr lang="en-US" dirty="0"/>
-              <a:t>Why did you feel like taking this course?</a:t>
-            </a:r>
-          </a:p>
-          <a:p>
-            <a:r>
-              <a:rPr lang="en-US" dirty="0"/>
-              <a:t>One fun fact about you</a:t>
+              <a:t>Background</a:t>
             </a:r>
           </a:p>
         </p:txBody>
@@ -4070,7 +3844,12 @@
             <p:ph type="title"/>
           </p:nvPr>
         </p:nvSpPr>
-        <p:spPr/>
+        <p:spPr>
+          <a:xfrm>
+            <a:off x="166681" y="85463"/>
+            <a:ext cx="10920419" cy="778828"/>
+          </a:xfrm>
+        </p:spPr>
         <p:txBody>
           <a:bodyPr/>
           <a:lstStyle/>
@@ -4331,7 +4110,12 @@
             <p:ph type="title"/>
           </p:nvPr>
         </p:nvSpPr>
-        <p:spPr/>
+        <p:spPr>
+          <a:xfrm>
+            <a:off x="166681" y="85463"/>
+            <a:ext cx="10920419" cy="778828"/>
+          </a:xfrm>
+        </p:spPr>
         <p:txBody>
           <a:bodyPr/>
           <a:lstStyle/>
@@ -4900,7 +4684,12 @@
             <p:ph type="title"/>
           </p:nvPr>
         </p:nvSpPr>
-        <p:spPr/>
+        <p:spPr>
+          <a:xfrm>
+            <a:off x="166681" y="85463"/>
+            <a:ext cx="10920419" cy="778828"/>
+          </a:xfrm>
+        </p:spPr>
         <p:txBody>
           <a:bodyPr/>
           <a:lstStyle/>
@@ -5455,7 +5244,7 @@
         </p:nvSpPr>
         <p:spPr>
           <a:xfrm>
-            <a:off x="239155" y="460004"/>
+            <a:off x="239155" y="57931"/>
             <a:ext cx="10515600" cy="861862"/>
           </a:xfrm>
         </p:spPr>
@@ -5522,7 +5311,7 @@
         </p:blipFill>
         <p:spPr>
           <a:xfrm>
-            <a:off x="3978723" y="890935"/>
+            <a:off x="3978721" y="1140314"/>
             <a:ext cx="3036463" cy="2000883"/>
           </a:xfrm>
           <a:prstGeom prst="rect">
@@ -5812,7 +5601,12 @@
             <p:ph type="title"/>
           </p:nvPr>
         </p:nvSpPr>
-        <p:spPr/>
+        <p:spPr>
+          <a:xfrm>
+            <a:off x="166681" y="85463"/>
+            <a:ext cx="10920419" cy="778828"/>
+          </a:xfrm>
+        </p:spPr>
         <p:txBody>
           <a:bodyPr/>
           <a:lstStyle/>
@@ -5909,7 +5703,12 @@
             <p:ph type="title"/>
           </p:nvPr>
         </p:nvSpPr>
-        <p:spPr/>
+        <p:spPr>
+          <a:xfrm>
+            <a:off x="166681" y="85463"/>
+            <a:ext cx="10920419" cy="778828"/>
+          </a:xfrm>
+        </p:spPr>
         <p:txBody>
           <a:bodyPr/>
           <a:lstStyle/>
@@ -6294,7 +6093,12 @@
             <p:ph type="title"/>
           </p:nvPr>
         </p:nvSpPr>
-        <p:spPr/>
+        <p:spPr>
+          <a:xfrm>
+            <a:off x="166681" y="85463"/>
+            <a:ext cx="10920419" cy="778828"/>
+          </a:xfrm>
+        </p:spPr>
         <p:txBody>
           <a:bodyPr/>
           <a:lstStyle/>
@@ -6382,7 +6186,12 @@
             <p:ph type="title"/>
           </p:nvPr>
         </p:nvSpPr>
-        <p:spPr/>
+        <p:spPr>
+          <a:xfrm>
+            <a:off x="166681" y="85463"/>
+            <a:ext cx="10920419" cy="778828"/>
+          </a:xfrm>
+        </p:spPr>
         <p:txBody>
           <a:bodyPr/>
           <a:lstStyle/>
